--- a/graphs/proportions.pptx
+++ b/graphs/proportions.pptx
@@ -104,6 +104,11 @@
       </a:defRPr>
     </a:lvl9pPr>
   </p:defaultTextStyle>
+  <p:extLst>
+    <p:ext uri="{EFAFB233-063F-42B5-8137-9DF3F51BA10A}">
+      <p15:sldGuideLst xmlns:p15="http://schemas.microsoft.com/office/powerpoint/2012/main"/>
+    </p:ext>
+  </p:extLst>
 </p:presentation>
 </file>
 
@@ -133,7 +138,7 @@
           <c:order val="0"/>
           <c:tx>
             <c:strRef>
-              <c:f>Sheet1!$C$1</c:f>
+              <c:f>proportions!$C$1</c:f>
               <c:strCache>
                 <c:ptCount val="1"/>
                 <c:pt idx="0">
@@ -143,7 +148,154 @@
             </c:strRef>
           </c:tx>
           <c:spPr>
-            <a:pattFill prst="wdDnDiag">
+            <a:pattFill prst="smGrid">
+              <a:fgClr>
+                <a:schemeClr val="accent2"/>
+              </a:fgClr>
+              <a:bgClr>
+                <a:schemeClr val="bg1"/>
+              </a:bgClr>
+            </a:pattFill>
+            <a:ln>
+              <a:solidFill>
+                <a:schemeClr val="accent2"/>
+              </a:solidFill>
+            </a:ln>
+            <a:effectLst/>
+          </c:spPr>
+          <c:invertIfNegative val="0"/>
+          <c:dLbls>
+            <c:spPr>
+              <a:noFill/>
+              <a:ln>
+                <a:noFill/>
+              </a:ln>
+              <a:effectLst/>
+            </c:spPr>
+            <c:txPr>
+              <a:bodyPr rot="0" spcFirstLastPara="1" vertOverflow="ellipsis" vert="horz" wrap="square" lIns="38100" tIns="19050" rIns="38100" bIns="19050" anchor="ctr" anchorCtr="1">
+                <a:spAutoFit/>
+              </a:bodyPr>
+              <a:lstStyle/>
+              <a:p>
+                <a:pPr>
+                  <a:defRPr sz="1800" b="1" i="0" u="none" strike="noStrike" kern="1200" baseline="0">
+                    <a:solidFill>
+                      <a:schemeClr val="tx1">
+                        <a:lumMod val="75000"/>
+                        <a:lumOff val="25000"/>
+                      </a:schemeClr>
+                    </a:solidFill>
+                    <a:latin typeface="+mn-lt"/>
+                    <a:ea typeface="+mn-ea"/>
+                    <a:cs typeface="+mn-cs"/>
+                  </a:defRPr>
+                </a:pPr>
+                <a:endParaRPr lang="en-US"/>
+              </a:p>
+            </c:txPr>
+            <c:showLegendKey val="0"/>
+            <c:showVal val="1"/>
+            <c:showCatName val="0"/>
+            <c:showSerName val="0"/>
+            <c:showPercent val="0"/>
+            <c:showBubbleSize val="0"/>
+            <c:showLeaderLines val="0"/>
+            <c:extLst>
+              <c:ext xmlns:c15="http://schemas.microsoft.com/office/drawing/2012/chart" uri="{CE6537A1-D6FC-4f65-9D91-7224C49458BB}">
+                <c15:showLeaderLines val="1"/>
+                <c15:leaderLines>
+                  <c:spPr>
+                    <a:ln w="9525" cap="flat" cmpd="sng" algn="ctr">
+                      <a:solidFill>
+                        <a:schemeClr val="tx1">
+                          <a:lumMod val="35000"/>
+                          <a:lumOff val="65000"/>
+                        </a:schemeClr>
+                      </a:solidFill>
+                      <a:round/>
+                    </a:ln>
+                    <a:effectLst/>
+                  </c:spPr>
+                </c15:leaderLines>
+              </c:ext>
+            </c:extLst>
+          </c:dLbls>
+          <c:cat>
+            <c:strRef>
+              <c:f>proportions!$A$2:$A$7</c:f>
+              <c:strCache>
+                <c:ptCount val="6"/>
+                <c:pt idx="0">
+                  <c:v>Cosmos8</c:v>
+                </c:pt>
+                <c:pt idx="1">
+                  <c:v>Cosmos9</c:v>
+                </c:pt>
+                <c:pt idx="2">
+                  <c:v>Cosmos11</c:v>
+                </c:pt>
+                <c:pt idx="3">
+                  <c:v>Cosmos14</c:v>
+                </c:pt>
+                <c:pt idx="4">
+                  <c:v>Cosmos15</c:v>
+                </c:pt>
+                <c:pt idx="5">
+                  <c:v>Total</c:v>
+                </c:pt>
+              </c:strCache>
+            </c:strRef>
+          </c:cat>
+          <c:val>
+            <c:numRef>
+              <c:f>proportions!$C$2:$C$7</c:f>
+              <c:numCache>
+                <c:formatCode>0.00</c:formatCode>
+                <c:ptCount val="6"/>
+                <c:pt idx="0">
+                  <c:v>69.72</c:v>
+                </c:pt>
+                <c:pt idx="1">
+                  <c:v>73.319999999999993</c:v>
+                </c:pt>
+                <c:pt idx="2">
+                  <c:v>58.9</c:v>
+                </c:pt>
+                <c:pt idx="3">
+                  <c:v>54.94</c:v>
+                </c:pt>
+                <c:pt idx="4">
+                  <c:v>43.7</c:v>
+                </c:pt>
+                <c:pt idx="5">
+                  <c:v>61.211364302276053</c:v>
+                </c:pt>
+              </c:numCache>
+            </c:numRef>
+          </c:val>
+          <c:extLst>
+            <c:ext xmlns:c16="http://schemas.microsoft.com/office/drawing/2014/chart" uri="{C3380CC4-5D6E-409C-BE32-E72D297353CC}">
+              <c16:uniqueId val="{00000000-71BA-42A6-B019-A05A3516E0C9}"/>
+            </c:ext>
+          </c:extLst>
+        </c:ser>
+        <c:ser>
+          <c:idx val="0"/>
+          <c:order val="1"/>
+          <c:tx>
+            <c:strRef>
+              <c:f>proportions!$B$1</c:f>
+              <c:strCache>
+                <c:ptCount val="1"/>
+                <c:pt idx="0">
+                  <c:v>Native</c:v>
+                </c:pt>
+              </c:strCache>
+            </c:strRef>
+          </c:tx>
+          <c:spPr>
+            <a:pattFill prst="dkDnDiag">
               <a:fgClr>
                 <a:schemeClr val="accent1">
                   <a:lumMod val="75000"/>
@@ -163,9 +315,9 @@
           <c:invertIfNegative val="0"/>
           <c:cat>
             <c:strRef>
-              <c:f>Sheet1!$A$2:$A$6</c:f>
+              <c:f>proportions!$A$2:$A$7</c:f>
               <c:strCache>
-                <c:ptCount val="5"/>
+                <c:ptCount val="6"/>
                 <c:pt idx="0">
                   <c:v>Cosmos8</c:v>
                 </c:pt>
@@ -181,102 +333,18 @@
                 <c:pt idx="4">
                   <c:v>Cosmos15</c:v>
                 </c:pt>
-              </c:strCache>
-            </c:strRef>
-          </c:cat>
-          <c:val>
-            <c:numRef>
-              <c:f>Sheet1!$C$2:$C$6</c:f>
-              <c:numCache>
-                <c:formatCode>General</c:formatCode>
-                <c:ptCount val="5"/>
-                <c:pt idx="0">
-                  <c:v>69.72</c:v>
-                </c:pt>
-                <c:pt idx="1">
-                  <c:v>73.319999999999993</c:v>
-                </c:pt>
-                <c:pt idx="2">
-                  <c:v>58.9</c:v>
-                </c:pt>
-                <c:pt idx="3">
-                  <c:v>54.94</c:v>
-                </c:pt>
-                <c:pt idx="4">
-                  <c:v>43.7</c:v>
-                </c:pt>
-              </c:numCache>
-            </c:numRef>
-          </c:val>
-          <c:extLst>
-            <c:ext xmlns:c16="http://schemas.microsoft.com/office/drawing/2014/chart" uri="{C3380CC4-5D6E-409C-BE32-E72D297353CC}">
-              <c16:uniqueId val="{00000000-7BC0-490C-A6B0-EC3AFF927923}"/>
-            </c:ext>
-          </c:extLst>
-        </c:ser>
-        <c:ser>
-          <c:idx val="0"/>
-          <c:order val="1"/>
-          <c:tx>
-            <c:strRef>
-              <c:f>Sheet1!$B$1</c:f>
-              <c:strCache>
-                <c:ptCount val="1"/>
-                <c:pt idx="0">
-                  <c:v>Native</c:v>
-                </c:pt>
-              </c:strCache>
-            </c:strRef>
-          </c:tx>
-          <c:spPr>
-            <a:pattFill prst="smGrid">
-              <a:fgClr>
-                <a:schemeClr val="accent2">
-                  <a:lumMod val="40000"/>
-                  <a:lumOff val="60000"/>
-                </a:schemeClr>
-              </a:fgClr>
-              <a:bgClr>
-                <a:schemeClr val="bg1"/>
-              </a:bgClr>
-            </a:pattFill>
-            <a:ln>
-              <a:solidFill>
-                <a:schemeClr val="accent1"/>
-              </a:solidFill>
-            </a:ln>
-            <a:effectLst/>
-          </c:spPr>
-          <c:invertIfNegative val="0"/>
-          <c:cat>
-            <c:strRef>
-              <c:f>Sheet1!$A$2:$A$6</c:f>
-              <c:strCache>
-                <c:ptCount val="5"/>
-                <c:pt idx="0">
-                  <c:v>Cosmos8</c:v>
-                </c:pt>
-                <c:pt idx="1">
-                  <c:v>Cosmos9</c:v>
-                </c:pt>
-                <c:pt idx="2">
-                  <c:v>Cosmos11</c:v>
-                </c:pt>
-                <c:pt idx="3">
-                  <c:v>Cosmos14</c:v>
-                </c:pt>
-                <c:pt idx="4">
-                  <c:v>Cosmos15</c:v>
+                <c:pt idx="5">
+                  <c:v>Total</c:v>
                 </c:pt>
               </c:strCache>
             </c:strRef>
           </c:cat>
           <c:val>
             <c:numRef>
-              <c:f>Sheet1!$B$2:$B$6</c:f>
+              <c:f>proportions!$B$2:$B$7</c:f>
               <c:numCache>
-                <c:formatCode>General</c:formatCode>
-                <c:ptCount val="5"/>
+                <c:formatCode>0.00</c:formatCode>
+                <c:ptCount val="6"/>
                 <c:pt idx="0">
                   <c:v>27.74</c:v>
                 </c:pt>
@@ -292,12 +360,15 @@
                 <c:pt idx="4">
                   <c:v>51.43</c:v>
                 </c:pt>
+                <c:pt idx="5">
+                  <c:v>34.173188079152098</c:v>
+                </c:pt>
               </c:numCache>
             </c:numRef>
           </c:val>
           <c:extLst>
             <c:ext xmlns:c16="http://schemas.microsoft.com/office/drawing/2014/chart" uri="{C3380CC4-5D6E-409C-BE32-E72D297353CC}">
-              <c16:uniqueId val="{00000001-7BC0-490C-A6B0-EC3AFF927923}"/>
+              <c16:uniqueId val="{00000001-71BA-42A6-B019-A05A3516E0C9}"/>
             </c:ext>
           </c:extLst>
         </c:ser>
@@ -306,7 +377,7 @@
           <c:order val="2"/>
           <c:tx>
             <c:strRef>
-              <c:f>Sheet1!$D$1</c:f>
+              <c:f>proportions!$D$1</c:f>
               <c:strCache>
                 <c:ptCount val="1"/>
                 <c:pt idx="0">
@@ -329,9 +400,9 @@
           <c:invertIfNegative val="0"/>
           <c:cat>
             <c:strRef>
-              <c:f>Sheet1!$A$2:$A$6</c:f>
+              <c:f>proportions!$A$2:$A$7</c:f>
               <c:strCache>
-                <c:ptCount val="5"/>
+                <c:ptCount val="6"/>
                 <c:pt idx="0">
                   <c:v>Cosmos8</c:v>
                 </c:pt>
@@ -347,15 +418,18 @@
                 <c:pt idx="4">
                   <c:v>Cosmos15</c:v>
                 </c:pt>
+                <c:pt idx="5">
+                  <c:v>Total</c:v>
+                </c:pt>
               </c:strCache>
             </c:strRef>
           </c:cat>
           <c:val>
             <c:numRef>
-              <c:f>Sheet1!$D$2:$D$6</c:f>
+              <c:f>proportions!$D$2:$D$7</c:f>
               <c:numCache>
-                <c:formatCode>General</c:formatCode>
-                <c:ptCount val="5"/>
+                <c:formatCode>0.00</c:formatCode>
+                <c:ptCount val="6"/>
                 <c:pt idx="0">
                   <c:v>2.54</c:v>
                 </c:pt>
@@ -371,12 +445,15 @@
                 <c:pt idx="4">
                   <c:v>4.87</c:v>
                 </c:pt>
+                <c:pt idx="5">
+                  <c:v>4.6169144053166136</c:v>
+                </c:pt>
               </c:numCache>
             </c:numRef>
           </c:val>
           <c:extLst>
             <c:ext xmlns:c16="http://schemas.microsoft.com/office/drawing/2014/chart" uri="{C3380CC4-5D6E-409C-BE32-E72D297353CC}">
-              <c16:uniqueId val="{00000002-7BC0-490C-A6B0-EC3AFF927923}"/>
+              <c16:uniqueId val="{00000002-71BA-42A6-B019-A05A3516E0C9}"/>
             </c:ext>
           </c:extLst>
         </c:ser>
@@ -390,11 +467,11 @@
         </c:dLbls>
         <c:gapWidth val="150"/>
         <c:overlap val="100"/>
-        <c:axId val="393594336"/>
-        <c:axId val="393595976"/>
+        <c:axId val="386155296"/>
+        <c:axId val="386155624"/>
       </c:barChart>
       <c:catAx>
-        <c:axId val="393594336"/>
+        <c:axId val="386155296"/>
         <c:scaling>
           <c:orientation val="minMax"/>
         </c:scaling>
@@ -422,7 +499,7 @@
           <a:lstStyle/>
           <a:p>
             <a:pPr>
-              <a:defRPr sz="1800" b="1" i="0" u="none" strike="noStrike" kern="1200" baseline="0">
+              <a:defRPr sz="2800" b="1" i="0" u="none" strike="noStrike" kern="1200" baseline="0">
                 <a:solidFill>
                   <a:schemeClr val="tx1">
                     <a:lumMod val="65000"/>
@@ -437,7 +514,7 @@
             <a:endParaRPr lang="en-US"/>
           </a:p>
         </c:txPr>
-        <c:crossAx val="393595976"/>
+        <c:crossAx val="386155624"/>
         <c:crosses val="autoZero"/>
         <c:auto val="1"/>
         <c:lblAlgn val="ctr"/>
@@ -445,7 +522,7 @@
         <c:noMultiLvlLbl val="0"/>
       </c:catAx>
       <c:valAx>
-        <c:axId val="393595976"/>
+        <c:axId val="386155624"/>
         <c:scaling>
           <c:orientation val="minMax"/>
           <c:max val="105"/>
@@ -467,7 +544,7 @@
             <a:effectLst/>
           </c:spPr>
         </c:majorGridlines>
-        <c:numFmt formatCode="General" sourceLinked="1"/>
+        <c:numFmt formatCode="0.00" sourceLinked="1"/>
         <c:majorTickMark val="none"/>
         <c:minorTickMark val="none"/>
         <c:tickLblPos val="nextTo"/>
@@ -483,7 +560,7 @@
           <a:lstStyle/>
           <a:p>
             <a:pPr>
-              <a:defRPr sz="1800" b="1" i="0" u="none" strike="noStrike" kern="1200" baseline="0">
+              <a:defRPr sz="2800" b="1" i="0" u="none" strike="noStrike" kern="1200" baseline="0">
                 <a:solidFill>
                   <a:schemeClr val="tx1">
                     <a:lumMod val="65000"/>
@@ -498,7 +575,7 @@
             <a:endParaRPr lang="en-US"/>
           </a:p>
         </c:txPr>
-        <c:crossAx val="393594336"/>
+        <c:crossAx val="386155296"/>
         <c:crosses val="autoZero"/>
         <c:crossBetween val="between"/>
       </c:valAx>
@@ -525,7 +602,7 @@
         <a:lstStyle/>
         <a:p>
           <a:pPr>
-            <a:defRPr sz="1800" b="1" i="0" u="none" strike="noStrike" kern="1200" baseline="0">
+            <a:defRPr sz="2800" b="0" i="0" u="none" strike="noStrike" kern="1200" baseline="0">
               <a:solidFill>
                 <a:schemeClr val="tx1">
                   <a:lumMod val="65000"/>
@@ -1158,7 +1235,6 @@
               <a:rPr lang="en-US"/>
               <a:t>Click to edit Master title style</a:t>
             </a:r>
-            <a:endParaRPr lang="en-US"/>
           </a:p>
         </p:txBody>
       </p:sp>
@@ -1223,7 +1299,6 @@
               <a:rPr lang="en-US"/>
               <a:t>Click to edit Master subtitle style</a:t>
             </a:r>
-            <a:endParaRPr lang="en-US"/>
           </a:p>
         </p:txBody>
       </p:sp>
@@ -1341,7 +1416,6 @@
               <a:rPr lang="en-US"/>
               <a:t>Click to edit Master title style</a:t>
             </a:r>
-            <a:endParaRPr lang="en-US"/>
           </a:p>
         </p:txBody>
       </p:sp>
@@ -1393,7 +1467,6 @@
               <a:rPr lang="en-US"/>
               <a:t>Fifth level</a:t>
             </a:r>
-            <a:endParaRPr lang="en-US"/>
           </a:p>
         </p:txBody>
       </p:sp>
@@ -1516,7 +1589,6 @@
               <a:rPr lang="en-US"/>
               <a:t>Click to edit Master title style</a:t>
             </a:r>
-            <a:endParaRPr lang="en-US"/>
           </a:p>
         </p:txBody>
       </p:sp>
@@ -1573,7 +1645,6 @@
               <a:rPr lang="en-US"/>
               <a:t>Fifth level</a:t>
             </a:r>
-            <a:endParaRPr lang="en-US"/>
           </a:p>
         </p:txBody>
       </p:sp>
@@ -1691,7 +1762,6 @@
               <a:rPr lang="en-US"/>
               <a:t>Click to edit Master title style</a:t>
             </a:r>
-            <a:endParaRPr lang="en-US"/>
           </a:p>
         </p:txBody>
       </p:sp>
@@ -1743,7 +1813,6 @@
               <a:rPr lang="en-US"/>
               <a:t>Fifth level</a:t>
             </a:r>
-            <a:endParaRPr lang="en-US"/>
           </a:p>
         </p:txBody>
       </p:sp>
@@ -1870,7 +1939,6 @@
               <a:rPr lang="en-US"/>
               <a:t>Click to edit Master title style</a:t>
             </a:r>
-            <a:endParaRPr lang="en-US"/>
           </a:p>
         </p:txBody>
       </p:sp>
@@ -2107,7 +2175,6 @@
               <a:rPr lang="en-US"/>
               <a:t>Click to edit Master title style</a:t>
             </a:r>
-            <a:endParaRPr lang="en-US"/>
           </a:p>
         </p:txBody>
       </p:sp>
@@ -2164,7 +2231,6 @@
               <a:rPr lang="en-US"/>
               <a:t>Fifth level</a:t>
             </a:r>
-            <a:endParaRPr lang="en-US"/>
           </a:p>
         </p:txBody>
       </p:sp>
@@ -2221,7 +2287,6 @@
               <a:rPr lang="en-US"/>
               <a:t>Fifth level</a:t>
             </a:r>
-            <a:endParaRPr lang="en-US"/>
           </a:p>
         </p:txBody>
       </p:sp>
@@ -2344,7 +2409,6 @@
               <a:rPr lang="en-US"/>
               <a:t>Click to edit Master title style</a:t>
             </a:r>
-            <a:endParaRPr lang="en-US"/>
           </a:p>
         </p:txBody>
       </p:sp>
@@ -2466,7 +2530,6 @@
               <a:rPr lang="en-US"/>
               <a:t>Fifth level</a:t>
             </a:r>
-            <a:endParaRPr lang="en-US"/>
           </a:p>
         </p:txBody>
       </p:sp>
@@ -2588,7 +2651,6 @@
               <a:rPr lang="en-US"/>
               <a:t>Fifth level</a:t>
             </a:r>
-            <a:endParaRPr lang="en-US"/>
           </a:p>
         </p:txBody>
       </p:sp>
@@ -2706,7 +2768,6 @@
               <a:rPr lang="en-US"/>
               <a:t>Click to edit Master title style</a:t>
             </a:r>
-            <a:endParaRPr lang="en-US"/>
           </a:p>
         </p:txBody>
       </p:sp>
@@ -2928,7 +2989,6 @@
               <a:rPr lang="en-US"/>
               <a:t>Click to edit Master title style</a:t>
             </a:r>
-            <a:endParaRPr lang="en-US"/>
           </a:p>
         </p:txBody>
       </p:sp>
@@ -3013,7 +3073,6 @@
               <a:rPr lang="en-US"/>
               <a:t>Fifth level</a:t>
             </a:r>
-            <a:endParaRPr lang="en-US"/>
           </a:p>
         </p:txBody>
       </p:sp>
@@ -3205,7 +3264,6 @@
               <a:rPr lang="en-US"/>
               <a:t>Click to edit Master title style</a:t>
             </a:r>
-            <a:endParaRPr lang="en-US"/>
           </a:p>
         </p:txBody>
       </p:sp>
@@ -3464,7 +3522,6 @@
               <a:rPr lang="en-US"/>
               <a:t>Click to edit Master title style</a:t>
             </a:r>
-            <a:endParaRPr lang="en-US"/>
           </a:p>
         </p:txBody>
       </p:sp>
@@ -3526,7 +3583,6 @@
               <a:rPr lang="en-US"/>
               <a:t>Fifth level</a:t>
             </a:r>
-            <a:endParaRPr lang="en-US"/>
           </a:p>
         </p:txBody>
       </p:sp>
@@ -4010,10 +4066,10 @@
       </p:sp>
       <p:graphicFrame>
         <p:nvGraphicFramePr>
-          <p:cNvPr id="4" name="Chart 3">
+          <p:cNvPr id="5" name="Chart 4">
             <a:extLst>
               <a:ext uri="{FF2B5EF4-FFF2-40B4-BE49-F238E27FC236}">
-                <a16:creationId xmlns:a16="http://schemas.microsoft.com/office/drawing/2014/main" id="{3571D01B-5DFC-4450-A5D6-7A9552B620B2}"/>
+                <a16:creationId xmlns:a16="http://schemas.microsoft.com/office/drawing/2014/main" id="{127CF889-2B4F-42E2-AECD-76D2AD913EA0}"/>
               </a:ext>
             </a:extLst>
           </p:cNvPr>
@@ -4023,14 +4079,14 @@
           <p:nvPr>
             <p:extLst>
               <p:ext uri="{D42A27DB-BD31-4B8C-83A1-F6EECF244321}">
-                <p14:modId xmlns:p14="http://schemas.microsoft.com/office/powerpoint/2010/main" val="704812424"/>
+                <p14:modId xmlns:p14="http://schemas.microsoft.com/office/powerpoint/2010/main" val="1795023677"/>
               </p:ext>
             </p:extLst>
           </p:nvPr>
         </p:nvGraphicFramePr>
         <p:xfrm>
-          <a:off x="-1" y="0"/>
-          <a:ext cx="12192001" cy="6858000"/>
+          <a:off x="0" y="0"/>
+          <a:ext cx="12192000" cy="6858000"/>
         </p:xfrm>
         <a:graphic>
           <a:graphicData uri="http://schemas.openxmlformats.org/drawingml/2006/chart">
